--- a/maze_solver.pptx
+++ b/maze_solver.pptx
@@ -4,6 +4,9 @@
   <p:sldMasterIdLst>
     <p:sldMasterId id="2147483648" r:id="rId1"/>
   </p:sldMasterIdLst>
+  <p:notesMasterIdLst>
+    <p:notesMasterId r:id="rId11"/>
+  </p:notesMasterIdLst>
   <p:sldIdLst>
     <p:sldId id="256" r:id="rId2"/>
     <p:sldId id="262" r:id="rId3"/>
@@ -11,7 +14,9 @@
     <p:sldId id="264" r:id="rId5"/>
     <p:sldId id="261" r:id="rId6"/>
     <p:sldId id="260" r:id="rId7"/>
-    <p:sldId id="265" r:id="rId8"/>
+    <p:sldId id="266" r:id="rId8"/>
+    <p:sldId id="265" r:id="rId9"/>
+    <p:sldId id="267" r:id="rId10"/>
   </p:sldIdLst>
   <p:sldSz cx="12192000" cy="6858000"/>
   <p:notesSz cx="6858000" cy="9144000"/>
@@ -110,7 +115,530 @@
       </a:defRPr>
     </a:lvl9pPr>
   </p:defaultTextStyle>
+  <p:extLst>
+    <p:ext uri="{EFAFB233-063F-42B5-8137-9DF3F51BA10A}">
+      <p15:sldGuideLst xmlns:p15="http://schemas.microsoft.com/office/powerpoint/2012/main"/>
+    </p:ext>
+  </p:extLst>
 </p:presentation>
+</file>
+
+<file path=ppt/notesMasters/notesMaster1.xml><?xml version="1.0" encoding="utf-8"?>
+<p:notesMaster xmlns:a="http://schemas.openxmlformats.org/drawingml/2006/main" xmlns:r="http://schemas.openxmlformats.org/officeDocument/2006/relationships" xmlns:p="http://schemas.openxmlformats.org/presentationml/2006/main">
+  <p:cSld>
+    <p:bg>
+      <p:bgRef idx="1001">
+        <a:schemeClr val="bg1"/>
+      </p:bgRef>
+    </p:bg>
+    <p:spTree>
+      <p:nvGrpSpPr>
+        <p:cNvPr id="1" name=""/>
+        <p:cNvGrpSpPr/>
+        <p:nvPr/>
+      </p:nvGrpSpPr>
+      <p:grpSpPr>
+        <a:xfrm>
+          <a:off x="0" y="0"/>
+          <a:ext cx="0" cy="0"/>
+          <a:chOff x="0" y="0"/>
+          <a:chExt cx="0" cy="0"/>
+        </a:xfrm>
+      </p:grpSpPr>
+      <p:sp>
+        <p:nvSpPr>
+          <p:cNvPr id="2" name="Header Placeholder 1"/>
+          <p:cNvSpPr>
+            <a:spLocks noGrp="1"/>
+          </p:cNvSpPr>
+          <p:nvPr>
+            <p:ph type="hdr" sz="quarter"/>
+          </p:nvPr>
+        </p:nvSpPr>
+        <p:spPr>
+          <a:xfrm>
+            <a:off x="0" y="0"/>
+            <a:ext cx="2971800" cy="458788"/>
+          </a:xfrm>
+          <a:prstGeom prst="rect">
+            <a:avLst/>
+          </a:prstGeom>
+        </p:spPr>
+        <p:txBody>
+          <a:bodyPr vert="horz" lIns="91440" tIns="45720" rIns="91440" bIns="45720" rtlCol="0"/>
+          <a:lstStyle>
+            <a:lvl1pPr algn="l">
+              <a:defRPr sz="1200"/>
+            </a:lvl1pPr>
+          </a:lstStyle>
+          <a:p>
+            <a:endParaRPr lang="en-SG"/>
+          </a:p>
+        </p:txBody>
+      </p:sp>
+      <p:sp>
+        <p:nvSpPr>
+          <p:cNvPr id="3" name="Date Placeholder 2"/>
+          <p:cNvSpPr>
+            <a:spLocks noGrp="1"/>
+          </p:cNvSpPr>
+          <p:nvPr>
+            <p:ph type="dt" idx="1"/>
+          </p:nvPr>
+        </p:nvSpPr>
+        <p:spPr>
+          <a:xfrm>
+            <a:off x="3884613" y="0"/>
+            <a:ext cx="2971800" cy="458788"/>
+          </a:xfrm>
+          <a:prstGeom prst="rect">
+            <a:avLst/>
+          </a:prstGeom>
+        </p:spPr>
+        <p:txBody>
+          <a:bodyPr vert="horz" lIns="91440" tIns="45720" rIns="91440" bIns="45720" rtlCol="0"/>
+          <a:lstStyle>
+            <a:lvl1pPr algn="r">
+              <a:defRPr sz="1200"/>
+            </a:lvl1pPr>
+          </a:lstStyle>
+          <a:p>
+            <a:fld id="{8479E17B-5098-4DC9-8205-5BB3DBFE9207}" type="datetimeFigureOut">
+              <a:rPr lang="en-SG" smtClean="0"/>
+              <a:t>12/5/2024</a:t>
+            </a:fld>
+            <a:endParaRPr lang="en-SG"/>
+          </a:p>
+        </p:txBody>
+      </p:sp>
+      <p:sp>
+        <p:nvSpPr>
+          <p:cNvPr id="4" name="Slide Image Placeholder 3"/>
+          <p:cNvSpPr>
+            <a:spLocks noGrp="1" noRot="1" noChangeAspect="1"/>
+          </p:cNvSpPr>
+          <p:nvPr>
+            <p:ph type="sldImg" idx="2"/>
+          </p:nvPr>
+        </p:nvSpPr>
+        <p:spPr>
+          <a:xfrm>
+            <a:off x="685800" y="1143000"/>
+            <a:ext cx="5486400" cy="3086100"/>
+          </a:xfrm>
+          <a:prstGeom prst="rect">
+            <a:avLst/>
+          </a:prstGeom>
+          <a:noFill/>
+          <a:ln w="12700">
+            <a:solidFill>
+              <a:prstClr val="black"/>
+            </a:solidFill>
+          </a:ln>
+        </p:spPr>
+        <p:txBody>
+          <a:bodyPr vert="horz" lIns="91440" tIns="45720" rIns="91440" bIns="45720" rtlCol="0" anchor="ctr"/>
+          <a:lstStyle/>
+          <a:p>
+            <a:endParaRPr lang="en-SG"/>
+          </a:p>
+        </p:txBody>
+      </p:sp>
+      <p:sp>
+        <p:nvSpPr>
+          <p:cNvPr id="5" name="Notes Placeholder 4"/>
+          <p:cNvSpPr>
+            <a:spLocks noGrp="1"/>
+          </p:cNvSpPr>
+          <p:nvPr>
+            <p:ph type="body" sz="quarter" idx="3"/>
+          </p:nvPr>
+        </p:nvSpPr>
+        <p:spPr>
+          <a:xfrm>
+            <a:off x="685800" y="4400550"/>
+            <a:ext cx="5486400" cy="3600450"/>
+          </a:xfrm>
+          <a:prstGeom prst="rect">
+            <a:avLst/>
+          </a:prstGeom>
+        </p:spPr>
+        <p:txBody>
+          <a:bodyPr vert="horz" lIns="91440" tIns="45720" rIns="91440" bIns="45720" rtlCol="0"/>
+          <a:lstStyle/>
+          <a:p>
+            <a:pPr lvl="0"/>
+            <a:r>
+              <a:rPr lang="en-US"/>
+              <a:t>Click to edit Master text styles</a:t>
+            </a:r>
+          </a:p>
+          <a:p>
+            <a:pPr lvl="1"/>
+            <a:r>
+              <a:rPr lang="en-US"/>
+              <a:t>Second level</a:t>
+            </a:r>
+          </a:p>
+          <a:p>
+            <a:pPr lvl="2"/>
+            <a:r>
+              <a:rPr lang="en-US"/>
+              <a:t>Third level</a:t>
+            </a:r>
+          </a:p>
+          <a:p>
+            <a:pPr lvl="3"/>
+            <a:r>
+              <a:rPr lang="en-US"/>
+              <a:t>Fourth level</a:t>
+            </a:r>
+          </a:p>
+          <a:p>
+            <a:pPr lvl="4"/>
+            <a:r>
+              <a:rPr lang="en-US"/>
+              <a:t>Fifth level</a:t>
+            </a:r>
+            <a:endParaRPr lang="en-SG"/>
+          </a:p>
+        </p:txBody>
+      </p:sp>
+      <p:sp>
+        <p:nvSpPr>
+          <p:cNvPr id="6" name="Footer Placeholder 5"/>
+          <p:cNvSpPr>
+            <a:spLocks noGrp="1"/>
+          </p:cNvSpPr>
+          <p:nvPr>
+            <p:ph type="ftr" sz="quarter" idx="4"/>
+          </p:nvPr>
+        </p:nvSpPr>
+        <p:spPr>
+          <a:xfrm>
+            <a:off x="0" y="8685213"/>
+            <a:ext cx="2971800" cy="458787"/>
+          </a:xfrm>
+          <a:prstGeom prst="rect">
+            <a:avLst/>
+          </a:prstGeom>
+        </p:spPr>
+        <p:txBody>
+          <a:bodyPr vert="horz" lIns="91440" tIns="45720" rIns="91440" bIns="45720" rtlCol="0" anchor="b"/>
+          <a:lstStyle>
+            <a:lvl1pPr algn="l">
+              <a:defRPr sz="1200"/>
+            </a:lvl1pPr>
+          </a:lstStyle>
+          <a:p>
+            <a:endParaRPr lang="en-SG"/>
+          </a:p>
+        </p:txBody>
+      </p:sp>
+      <p:sp>
+        <p:nvSpPr>
+          <p:cNvPr id="7" name="Slide Number Placeholder 6"/>
+          <p:cNvSpPr>
+            <a:spLocks noGrp="1"/>
+          </p:cNvSpPr>
+          <p:nvPr>
+            <p:ph type="sldNum" sz="quarter" idx="5"/>
+          </p:nvPr>
+        </p:nvSpPr>
+        <p:spPr>
+          <a:xfrm>
+            <a:off x="3884613" y="8685213"/>
+            <a:ext cx="2971800" cy="458787"/>
+          </a:xfrm>
+          <a:prstGeom prst="rect">
+            <a:avLst/>
+          </a:prstGeom>
+        </p:spPr>
+        <p:txBody>
+          <a:bodyPr vert="horz" lIns="91440" tIns="45720" rIns="91440" bIns="45720" rtlCol="0" anchor="b"/>
+          <a:lstStyle>
+            <a:lvl1pPr algn="r">
+              <a:defRPr sz="1200"/>
+            </a:lvl1pPr>
+          </a:lstStyle>
+          <a:p>
+            <a:fld id="{61A019E3-FBD0-42F7-BFE1-052A513BCCD0}" type="slidenum">
+              <a:rPr lang="en-SG" smtClean="0"/>
+              <a:t>‹#›</a:t>
+            </a:fld>
+            <a:endParaRPr lang="en-SG"/>
+          </a:p>
+        </p:txBody>
+      </p:sp>
+    </p:spTree>
+    <p:extLst>
+      <p:ext uri="{BB962C8B-B14F-4D97-AF65-F5344CB8AC3E}">
+        <p14:creationId xmlns:p14="http://schemas.microsoft.com/office/powerpoint/2010/main" val="1397656296"/>
+      </p:ext>
+    </p:extLst>
+  </p:cSld>
+  <p:clrMap bg1="lt1" tx1="dk1" bg2="lt2" tx2="dk2" accent1="accent1" accent2="accent2" accent3="accent3" accent4="accent4" accent5="accent5" accent6="accent6" hlink="hlink" folHlink="folHlink"/>
+  <p:notesStyle>
+    <a:lvl1pPr marL="0" algn="l" defTabSz="914400" rtl="0" eaLnBrk="1" latinLnBrk="0" hangingPunct="1">
+      <a:defRPr sz="1200" kern="1200">
+        <a:solidFill>
+          <a:schemeClr val="tx1"/>
+        </a:solidFill>
+        <a:latin typeface="+mn-lt"/>
+        <a:ea typeface="+mn-ea"/>
+        <a:cs typeface="+mn-cs"/>
+      </a:defRPr>
+    </a:lvl1pPr>
+    <a:lvl2pPr marL="457200" algn="l" defTabSz="914400" rtl="0" eaLnBrk="1" latinLnBrk="0" hangingPunct="1">
+      <a:defRPr sz="1200" kern="1200">
+        <a:solidFill>
+          <a:schemeClr val="tx1"/>
+        </a:solidFill>
+        <a:latin typeface="+mn-lt"/>
+        <a:ea typeface="+mn-ea"/>
+        <a:cs typeface="+mn-cs"/>
+      </a:defRPr>
+    </a:lvl2pPr>
+    <a:lvl3pPr marL="914400" algn="l" defTabSz="914400" rtl="0" eaLnBrk="1" latinLnBrk="0" hangingPunct="1">
+      <a:defRPr sz="1200" kern="1200">
+        <a:solidFill>
+          <a:schemeClr val="tx1"/>
+        </a:solidFill>
+        <a:latin typeface="+mn-lt"/>
+        <a:ea typeface="+mn-ea"/>
+        <a:cs typeface="+mn-cs"/>
+      </a:defRPr>
+    </a:lvl3pPr>
+    <a:lvl4pPr marL="1371600" algn="l" defTabSz="914400" rtl="0" eaLnBrk="1" latinLnBrk="0" hangingPunct="1">
+      <a:defRPr sz="1200" kern="1200">
+        <a:solidFill>
+          <a:schemeClr val="tx1"/>
+        </a:solidFill>
+        <a:latin typeface="+mn-lt"/>
+        <a:ea typeface="+mn-ea"/>
+        <a:cs typeface="+mn-cs"/>
+      </a:defRPr>
+    </a:lvl4pPr>
+    <a:lvl5pPr marL="1828800" algn="l" defTabSz="914400" rtl="0" eaLnBrk="1" latinLnBrk="0" hangingPunct="1">
+      <a:defRPr sz="1200" kern="1200">
+        <a:solidFill>
+          <a:schemeClr val="tx1"/>
+        </a:solidFill>
+        <a:latin typeface="+mn-lt"/>
+        <a:ea typeface="+mn-ea"/>
+        <a:cs typeface="+mn-cs"/>
+      </a:defRPr>
+    </a:lvl5pPr>
+    <a:lvl6pPr marL="2286000" algn="l" defTabSz="914400" rtl="0" eaLnBrk="1" latinLnBrk="0" hangingPunct="1">
+      <a:defRPr sz="1200" kern="1200">
+        <a:solidFill>
+          <a:schemeClr val="tx1"/>
+        </a:solidFill>
+        <a:latin typeface="+mn-lt"/>
+        <a:ea typeface="+mn-ea"/>
+        <a:cs typeface="+mn-cs"/>
+      </a:defRPr>
+    </a:lvl6pPr>
+    <a:lvl7pPr marL="2743200" algn="l" defTabSz="914400" rtl="0" eaLnBrk="1" latinLnBrk="0" hangingPunct="1">
+      <a:defRPr sz="1200" kern="1200">
+        <a:solidFill>
+          <a:schemeClr val="tx1"/>
+        </a:solidFill>
+        <a:latin typeface="+mn-lt"/>
+        <a:ea typeface="+mn-ea"/>
+        <a:cs typeface="+mn-cs"/>
+      </a:defRPr>
+    </a:lvl7pPr>
+    <a:lvl8pPr marL="3200400" algn="l" defTabSz="914400" rtl="0" eaLnBrk="1" latinLnBrk="0" hangingPunct="1">
+      <a:defRPr sz="1200" kern="1200">
+        <a:solidFill>
+          <a:schemeClr val="tx1"/>
+        </a:solidFill>
+        <a:latin typeface="+mn-lt"/>
+        <a:ea typeface="+mn-ea"/>
+        <a:cs typeface="+mn-cs"/>
+      </a:defRPr>
+    </a:lvl8pPr>
+    <a:lvl9pPr marL="3657600" algn="l" defTabSz="914400" rtl="0" eaLnBrk="1" latinLnBrk="0" hangingPunct="1">
+      <a:defRPr sz="1200" kern="1200">
+        <a:solidFill>
+          <a:schemeClr val="tx1"/>
+        </a:solidFill>
+        <a:latin typeface="+mn-lt"/>
+        <a:ea typeface="+mn-ea"/>
+        <a:cs typeface="+mn-cs"/>
+      </a:defRPr>
+    </a:lvl9pPr>
+  </p:notesStyle>
+</p:notesMaster>
+</file>
+
+<file path=ppt/notesSlides/notesSlide1.xml><?xml version="1.0" encoding="utf-8"?>
+<p:notes xmlns:a="http://schemas.openxmlformats.org/drawingml/2006/main" xmlns:r="http://schemas.openxmlformats.org/officeDocument/2006/relationships" xmlns:p="http://schemas.openxmlformats.org/presentationml/2006/main">
+  <p:cSld>
+    <p:spTree>
+      <p:nvGrpSpPr>
+        <p:cNvPr id="1" name=""/>
+        <p:cNvGrpSpPr/>
+        <p:nvPr/>
+      </p:nvGrpSpPr>
+      <p:grpSpPr>
+        <a:xfrm>
+          <a:off x="0" y="0"/>
+          <a:ext cx="0" cy="0"/>
+          <a:chOff x="0" y="0"/>
+          <a:chExt cx="0" cy="0"/>
+        </a:xfrm>
+      </p:grpSpPr>
+      <p:sp>
+        <p:nvSpPr>
+          <p:cNvPr id="2" name="Slide Image Placeholder 1"/>
+          <p:cNvSpPr>
+            <a:spLocks noGrp="1" noRot="1" noChangeAspect="1"/>
+          </p:cNvSpPr>
+          <p:nvPr>
+            <p:ph type="sldImg"/>
+          </p:nvPr>
+        </p:nvSpPr>
+        <p:spPr/>
+      </p:sp>
+      <p:sp>
+        <p:nvSpPr>
+          <p:cNvPr id="3" name="Notes Placeholder 2"/>
+          <p:cNvSpPr>
+            <a:spLocks noGrp="1"/>
+          </p:cNvSpPr>
+          <p:nvPr>
+            <p:ph type="body" idx="1"/>
+          </p:nvPr>
+        </p:nvSpPr>
+        <p:spPr/>
+        <p:txBody>
+          <a:bodyPr/>
+          <a:lstStyle/>
+          <a:p>
+            <a:endParaRPr lang="en-SG" dirty="0"/>
+          </a:p>
+        </p:txBody>
+      </p:sp>
+      <p:sp>
+        <p:nvSpPr>
+          <p:cNvPr id="4" name="Slide Number Placeholder 3"/>
+          <p:cNvSpPr>
+            <a:spLocks noGrp="1"/>
+          </p:cNvSpPr>
+          <p:nvPr>
+            <p:ph type="sldNum" sz="quarter" idx="5"/>
+          </p:nvPr>
+        </p:nvSpPr>
+        <p:spPr/>
+        <p:txBody>
+          <a:bodyPr/>
+          <a:lstStyle/>
+          <a:p>
+            <a:fld id="{61A019E3-FBD0-42F7-BFE1-052A513BCCD0}" type="slidenum">
+              <a:rPr lang="en-SG" smtClean="0"/>
+              <a:t>8</a:t>
+            </a:fld>
+            <a:endParaRPr lang="en-SG"/>
+          </a:p>
+        </p:txBody>
+      </p:sp>
+    </p:spTree>
+    <p:extLst>
+      <p:ext uri="{BB962C8B-B14F-4D97-AF65-F5344CB8AC3E}">
+        <p14:creationId xmlns:p14="http://schemas.microsoft.com/office/powerpoint/2010/main" val="4256247749"/>
+      </p:ext>
+    </p:extLst>
+  </p:cSld>
+  <p:clrMapOvr>
+    <a:masterClrMapping/>
+  </p:clrMapOvr>
+</p:notes>
+</file>
+
+<file path=ppt/notesSlides/notesSlide2.xml><?xml version="1.0" encoding="utf-8"?>
+<p:notes xmlns:a="http://schemas.openxmlformats.org/drawingml/2006/main" xmlns:r="http://schemas.openxmlformats.org/officeDocument/2006/relationships" xmlns:p="http://schemas.openxmlformats.org/presentationml/2006/main">
+  <p:cSld>
+    <p:spTree>
+      <p:nvGrpSpPr>
+        <p:cNvPr id="1" name=""/>
+        <p:cNvGrpSpPr/>
+        <p:nvPr/>
+      </p:nvGrpSpPr>
+      <p:grpSpPr>
+        <a:xfrm>
+          <a:off x="0" y="0"/>
+          <a:ext cx="0" cy="0"/>
+          <a:chOff x="0" y="0"/>
+          <a:chExt cx="0" cy="0"/>
+        </a:xfrm>
+      </p:grpSpPr>
+      <p:sp>
+        <p:nvSpPr>
+          <p:cNvPr id="2" name="Slide Image Placeholder 1"/>
+          <p:cNvSpPr>
+            <a:spLocks noGrp="1" noRot="1" noChangeAspect="1"/>
+          </p:cNvSpPr>
+          <p:nvPr>
+            <p:ph type="sldImg"/>
+          </p:nvPr>
+        </p:nvSpPr>
+        <p:spPr/>
+      </p:sp>
+      <p:sp>
+        <p:nvSpPr>
+          <p:cNvPr id="3" name="Notes Placeholder 2"/>
+          <p:cNvSpPr>
+            <a:spLocks noGrp="1"/>
+          </p:cNvSpPr>
+          <p:nvPr>
+            <p:ph type="body" idx="1"/>
+          </p:nvPr>
+        </p:nvSpPr>
+        <p:spPr/>
+        <p:txBody>
+          <a:bodyPr/>
+          <a:lstStyle/>
+          <a:p>
+            <a:endParaRPr lang="en-SG" dirty="0"/>
+          </a:p>
+        </p:txBody>
+      </p:sp>
+      <p:sp>
+        <p:nvSpPr>
+          <p:cNvPr id="4" name="Slide Number Placeholder 3"/>
+          <p:cNvSpPr>
+            <a:spLocks noGrp="1"/>
+          </p:cNvSpPr>
+          <p:nvPr>
+            <p:ph type="sldNum" sz="quarter" idx="5"/>
+          </p:nvPr>
+        </p:nvSpPr>
+        <p:spPr/>
+        <p:txBody>
+          <a:bodyPr/>
+          <a:lstStyle/>
+          <a:p>
+            <a:fld id="{61A019E3-FBD0-42F7-BFE1-052A513BCCD0}" type="slidenum">
+              <a:rPr lang="en-SG" smtClean="0"/>
+              <a:t>9</a:t>
+            </a:fld>
+            <a:endParaRPr lang="en-SG"/>
+          </a:p>
+        </p:txBody>
+      </p:sp>
+    </p:spTree>
+    <p:extLst>
+      <p:ext uri="{BB962C8B-B14F-4D97-AF65-F5344CB8AC3E}">
+        <p14:creationId xmlns:p14="http://schemas.microsoft.com/office/powerpoint/2010/main" val="2793659466"/>
+      </p:ext>
+    </p:extLst>
+  </p:cSld>
+  <p:clrMapOvr>
+    <a:masterClrMapping/>
+  </p:clrMapOvr>
+</p:notes>
 </file>
 
 <file path=ppt/slideLayouts/slideLayout1.xml><?xml version="1.0" encoding="utf-8"?>
@@ -3366,14 +3894,23 @@
         </p:nvSpPr>
         <p:spPr/>
         <p:txBody>
-          <a:bodyPr/>
-          <a:lstStyle/>
-          <a:p>
-            <a:r>
-              <a:rPr lang="en-US" dirty="0"/>
-              <a:t>Maze Solver</a:t>
-            </a:r>
-            <a:endParaRPr lang="en-SG" dirty="0"/>
+          <a:bodyPr>
+            <a:normAutofit fontScale="90000"/>
+          </a:bodyPr>
+          <a:lstStyle/>
+          <a:p>
+            <a:r>
+              <a:rPr lang="en-US" b="1" dirty="0"/>
+              <a:t>Maze Solver with</a:t>
+            </a:r>
+            <a:br>
+              <a:rPr lang="en-US" b="1" dirty="0"/>
+            </a:br>
+            <a:r>
+              <a:rPr lang="en-US" b="1" dirty="0"/>
+              <a:t>Q Learning &amp; Linear Regression</a:t>
+            </a:r>
+            <a:endParaRPr lang="en-SG" b="1" dirty="0"/>
           </a:p>
         </p:txBody>
       </p:sp>
@@ -3995,7 +4532,7 @@
         </p:blipFill>
         <p:spPr>
           <a:xfrm>
-            <a:off x="150632" y="2563876"/>
+            <a:off x="6294259" y="2527924"/>
             <a:ext cx="5681445" cy="3063349"/>
           </a:xfrm>
           <a:prstGeom prst="rect">
@@ -4031,7 +4568,7 @@
         </p:blipFill>
         <p:spPr>
           <a:xfrm>
-            <a:off x="6282936" y="2563876"/>
+            <a:off x="139311" y="2527924"/>
             <a:ext cx="5758432" cy="3032863"/>
           </a:xfrm>
           <a:prstGeom prst="rect">
@@ -4367,7 +4904,7 @@
           <a:p>
             <a:r>
               <a:rPr lang="en-US" dirty="0"/>
-              <a:t>Test Results – Config 1 (Pure Evaluation)</a:t>
+              <a:t>Test Results</a:t>
             </a:r>
             <a:endParaRPr lang="en-SG" dirty="0"/>
           </a:p>
@@ -4445,12 +4982,54 @@
           </a:p>
         </p:txBody>
       </p:sp>
+      <p:sp>
+        <p:nvSpPr>
+          <p:cNvPr id="21" name="TextBox 20">
+            <a:extLst>
+              <a:ext uri="{FF2B5EF4-FFF2-40B4-BE49-F238E27FC236}">
+                <a16:creationId xmlns:a16="http://schemas.microsoft.com/office/drawing/2014/main" id="{5C354464-FE67-EB6C-6BA7-5628B868B40B}"/>
+              </a:ext>
+            </a:extLst>
+          </p:cNvPr>
+          <p:cNvSpPr txBox="1"/>
+          <p:nvPr/>
+        </p:nvSpPr>
+        <p:spPr>
+          <a:xfrm>
+            <a:off x="5091815" y="5703644"/>
+            <a:ext cx="3337810" cy="646331"/>
+          </a:xfrm>
+          <a:prstGeom prst="rect">
+            <a:avLst/>
+          </a:prstGeom>
+          <a:noFill/>
+        </p:spPr>
+        <p:txBody>
+          <a:bodyPr wrap="square" rtlCol="0">
+            <a:spAutoFit/>
+          </a:bodyPr>
+          <a:lstStyle/>
+          <a:p>
+            <a:r>
+              <a:rPr lang="en-US" dirty="0"/>
+              <a:t>Discount factor: 0.9</a:t>
+            </a:r>
+          </a:p>
+          <a:p>
+            <a:r>
+              <a:rPr lang="en-US" dirty="0"/>
+              <a:t>Explore rate: 0 (Purely evaluation)</a:t>
+            </a:r>
+            <a:endParaRPr lang="en-SG" dirty="0"/>
+          </a:p>
+        </p:txBody>
+      </p:sp>
       <p:pic>
         <p:nvPicPr>
-          <p:cNvPr id="18" name="Picture 17" descr="A graph with blue lines&#10;&#10;Description automatically generated">
-            <a:extLst>
-              <a:ext uri="{FF2B5EF4-FFF2-40B4-BE49-F238E27FC236}">
-                <a16:creationId xmlns:a16="http://schemas.microsoft.com/office/drawing/2014/main" id="{B9E695A0-8E78-EA73-7F7F-C4202B7C8BA2}"/>
+          <p:cNvPr id="4" name="Picture 3" descr="A graph showing steps required to solve the maze&#10;&#10;Description automatically generated">
+            <a:extLst>
+              <a:ext uri="{FF2B5EF4-FFF2-40B4-BE49-F238E27FC236}">
+                <a16:creationId xmlns:a16="http://schemas.microsoft.com/office/drawing/2014/main" id="{B3B793C3-977D-BA62-6C36-35E5E4D73131}"/>
               </a:ext>
             </a:extLst>
           </p:cNvPr>
@@ -4473,8 +5052,8 @@
         </p:blipFill>
         <p:spPr>
           <a:xfrm>
-            <a:off x="6318279" y="2559848"/>
-            <a:ext cx="5712642" cy="3090224"/>
+            <a:off x="6203398" y="2439826"/>
+            <a:ext cx="5956110" cy="3181582"/>
           </a:xfrm>
           <a:prstGeom prst="rect">
             <a:avLst/>
@@ -4483,10 +5062,10 @@
       </p:pic>
       <p:pic>
         <p:nvPicPr>
-          <p:cNvPr id="20" name="Picture 19" descr="A graph with blue lines&#10;&#10;Description automatically generated">
-            <a:extLst>
-              <a:ext uri="{FF2B5EF4-FFF2-40B4-BE49-F238E27FC236}">
-                <a16:creationId xmlns:a16="http://schemas.microsoft.com/office/drawing/2014/main" id="{E23EA335-F246-DE55-9CC5-EBAE025885EC}"/>
+          <p:cNvPr id="6" name="Picture 5" descr="A graph with blue lines&#10;&#10;Description automatically generated">
+            <a:extLst>
+              <a:ext uri="{FF2B5EF4-FFF2-40B4-BE49-F238E27FC236}">
+                <a16:creationId xmlns:a16="http://schemas.microsoft.com/office/drawing/2014/main" id="{6224308C-3BEF-F0FA-470D-13F8BDF3B874}"/>
               </a:ext>
             </a:extLst>
           </p:cNvPr>
@@ -4509,62 +5088,14 @@
         </p:blipFill>
         <p:spPr>
           <a:xfrm>
-            <a:off x="161081" y="2614611"/>
-            <a:ext cx="5712642" cy="2980699"/>
+            <a:off x="32491" y="2416990"/>
+            <a:ext cx="6092326" cy="3165208"/>
           </a:xfrm>
           <a:prstGeom prst="rect">
             <a:avLst/>
           </a:prstGeom>
         </p:spPr>
       </p:pic>
-      <p:sp>
-        <p:nvSpPr>
-          <p:cNvPr id="21" name="TextBox 20">
-            <a:extLst>
-              <a:ext uri="{FF2B5EF4-FFF2-40B4-BE49-F238E27FC236}">
-                <a16:creationId xmlns:a16="http://schemas.microsoft.com/office/drawing/2014/main" id="{5C354464-FE67-EB6C-6BA7-5628B868B40B}"/>
-              </a:ext>
-            </a:extLst>
-          </p:cNvPr>
-          <p:cNvSpPr txBox="1"/>
-          <p:nvPr/>
-        </p:nvSpPr>
-        <p:spPr>
-          <a:xfrm>
-            <a:off x="5091815" y="5703644"/>
-            <a:ext cx="2008369" cy="923330"/>
-          </a:xfrm>
-          <a:prstGeom prst="rect">
-            <a:avLst/>
-          </a:prstGeom>
-          <a:noFill/>
-        </p:spPr>
-        <p:txBody>
-          <a:bodyPr wrap="square" rtlCol="0">
-            <a:spAutoFit/>
-          </a:bodyPr>
-          <a:lstStyle/>
-          <a:p>
-            <a:r>
-              <a:rPr lang="en-US" dirty="0"/>
-              <a:t>Learning rate: 0</a:t>
-            </a:r>
-          </a:p>
-          <a:p>
-            <a:r>
-              <a:rPr lang="en-US" dirty="0"/>
-              <a:t>Discount factor: 0.9</a:t>
-            </a:r>
-          </a:p>
-          <a:p>
-            <a:r>
-              <a:rPr lang="en-US" dirty="0"/>
-              <a:t>Explore rate: 0</a:t>
-            </a:r>
-            <a:endParaRPr lang="en-SG" dirty="0"/>
-          </a:p>
-        </p:txBody>
-      </p:sp>
     </p:spTree>
     <p:extLst>
       <p:ext uri="{BB962C8B-B14F-4D97-AF65-F5344CB8AC3E}">
@@ -4618,7 +5149,7 @@
           <a:p>
             <a:r>
               <a:rPr lang="en-US" dirty="0"/>
-              <a:t>Test Results – Config 2 (Keeps Learning)</a:t>
+              <a:t>Total Steps per Game Before vs After Training</a:t>
             </a:r>
             <a:endParaRPr lang="en-SG" dirty="0"/>
           </a:p>
@@ -4638,8 +5169,8 @@
         </p:nvSpPr>
         <p:spPr>
           <a:xfrm>
-            <a:off x="1119900" y="1857923"/>
-            <a:ext cx="4245318" cy="461665"/>
+            <a:off x="2420063" y="1823006"/>
+            <a:ext cx="2073356" cy="461665"/>
           </a:xfrm>
           <a:prstGeom prst="rect">
             <a:avLst/>
@@ -4654,7 +5185,7 @@
           <a:p>
             <a:r>
               <a:rPr lang="en-US" sz="2400" dirty="0"/>
-              <a:t>Cumulative Rewards per Episode</a:t>
+              <a:t>Before Training</a:t>
             </a:r>
             <a:endParaRPr lang="en-SG" sz="2400" dirty="0"/>
           </a:p>
@@ -4674,8 +5205,8 @@
         </p:nvSpPr>
         <p:spPr>
           <a:xfrm>
-            <a:off x="7958292" y="1857923"/>
-            <a:ext cx="3339483" cy="461665"/>
+            <a:off x="8689736" y="1834424"/>
+            <a:ext cx="1864364" cy="461665"/>
           </a:xfrm>
           <a:prstGeom prst="rect">
             <a:avLst/>
@@ -4690,7 +5221,7 @@
           <a:p>
             <a:r>
               <a:rPr lang="en-US" sz="2400" dirty="0"/>
-              <a:t>Solving Steps per Episode</a:t>
+              <a:t>After Training</a:t>
             </a:r>
             <a:endParaRPr lang="en-SG" sz="2400" dirty="0"/>
           </a:p>
@@ -4710,8 +5241,8 @@
         </p:nvSpPr>
         <p:spPr>
           <a:xfrm>
-            <a:off x="5091815" y="5703644"/>
-            <a:ext cx="2008369" cy="923330"/>
+            <a:off x="757238" y="5703644"/>
+            <a:ext cx="11051381" cy="646331"/>
           </a:xfrm>
           <a:prstGeom prst="rect">
             <a:avLst/>
@@ -4726,30 +5257,34 @@
           <a:p>
             <a:r>
               <a:rPr lang="en-US" dirty="0"/>
-              <a:t>Learning rate: 0.05</a:t>
-            </a:r>
-          </a:p>
-          <a:p>
+              <a:t>We notice that after training, the total steps required to solve the maze per </a:t>
+            </a:r>
+            <a:r>
+              <a:rPr lang="en-US" b="1" dirty="0"/>
+              <a:t>game </a:t>
+            </a:r>
             <a:r>
               <a:rPr lang="en-US" dirty="0"/>
-              <a:t>Discount factor: 0.9</a:t>
-            </a:r>
-          </a:p>
-          <a:p>
+              <a:t>is same as the steps required to solve the maze per </a:t>
+            </a:r>
+            <a:r>
+              <a:rPr lang="en-US" b="1" dirty="0"/>
+              <a:t>episode</a:t>
+            </a:r>
             <a:r>
               <a:rPr lang="en-US" dirty="0"/>
-              <a:t>Explore rate: 0.2</a:t>
-            </a:r>
-            <a:endParaRPr lang="en-SG" dirty="0"/>
+              <a:t>, which means the agent can solve the maze in one episode (&lt;=200 steps) after training.</a:t>
+            </a:r>
+            <a:endParaRPr lang="en-SG" b="1" dirty="0"/>
           </a:p>
         </p:txBody>
       </p:sp>
       <p:pic>
         <p:nvPicPr>
-          <p:cNvPr id="4" name="Picture 3" descr="A graph with blue lines&#10;&#10;Description automatically generated">
-            <a:extLst>
-              <a:ext uri="{FF2B5EF4-FFF2-40B4-BE49-F238E27FC236}">
-                <a16:creationId xmlns:a16="http://schemas.microsoft.com/office/drawing/2014/main" id="{5D54D391-6D0D-FC38-1CCD-E8A5AAD7A25B}"/>
+          <p:cNvPr id="5" name="Picture 4" descr="A graph with numbers and lines&#10;&#10;Description automatically generated">
+            <a:extLst>
+              <a:ext uri="{FF2B5EF4-FFF2-40B4-BE49-F238E27FC236}">
+                <a16:creationId xmlns:a16="http://schemas.microsoft.com/office/drawing/2014/main" id="{CC7553C7-D095-BADF-B006-ACA6E6F754CE}"/>
               </a:ext>
             </a:extLst>
           </p:cNvPr>
@@ -4772,8 +5307,8 @@
         </p:blipFill>
         <p:spPr>
           <a:xfrm>
-            <a:off x="6305059" y="2446211"/>
-            <a:ext cx="5770619" cy="3117043"/>
+            <a:off x="207529" y="2441894"/>
+            <a:ext cx="5835103" cy="3120159"/>
           </a:xfrm>
           <a:prstGeom prst="rect">
             <a:avLst/>
@@ -4782,10 +5317,10 @@
       </p:pic>
       <p:pic>
         <p:nvPicPr>
-          <p:cNvPr id="6" name="Picture 5" descr="A graph with blue lines&#10;&#10;Description automatically generated">
-            <a:extLst>
-              <a:ext uri="{FF2B5EF4-FFF2-40B4-BE49-F238E27FC236}">
-                <a16:creationId xmlns:a16="http://schemas.microsoft.com/office/drawing/2014/main" id="{B7A6971C-75A8-9E5D-073A-BE5914B58D3D}"/>
+          <p:cNvPr id="8" name="Picture 7" descr="A graph of blue lines&#10;&#10;Description automatically generated">
+            <a:extLst>
+              <a:ext uri="{FF2B5EF4-FFF2-40B4-BE49-F238E27FC236}">
+                <a16:creationId xmlns:a16="http://schemas.microsoft.com/office/drawing/2014/main" id="{83BF9C4C-B11F-2A11-8832-CC31EAE41BBC}"/>
               </a:ext>
             </a:extLst>
           </p:cNvPr>
@@ -4808,8 +5343,176 @@
         </p:blipFill>
         <p:spPr>
           <a:xfrm>
-            <a:off x="116322" y="2488203"/>
-            <a:ext cx="5870141" cy="3075051"/>
+            <a:off x="6293644" y="2477614"/>
+            <a:ext cx="5815073" cy="3084439"/>
+          </a:xfrm>
+          <a:prstGeom prst="rect">
+            <a:avLst/>
+          </a:prstGeom>
+        </p:spPr>
+      </p:pic>
+    </p:spTree>
+    <p:extLst>
+      <p:ext uri="{BB962C8B-B14F-4D97-AF65-F5344CB8AC3E}">
+        <p14:creationId xmlns:p14="http://schemas.microsoft.com/office/powerpoint/2010/main" val="3430183804"/>
+      </p:ext>
+    </p:extLst>
+  </p:cSld>
+  <p:clrMapOvr>
+    <a:masterClrMapping/>
+  </p:clrMapOvr>
+</p:sld>
+</file>
+
+<file path=ppt/slides/slide8.xml><?xml version="1.0" encoding="utf-8"?>
+<p:sld xmlns:a="http://schemas.openxmlformats.org/drawingml/2006/main" xmlns:r="http://schemas.openxmlformats.org/officeDocument/2006/relationships" xmlns:p="http://schemas.openxmlformats.org/presentationml/2006/main">
+  <p:cSld>
+    <p:spTree>
+      <p:nvGrpSpPr>
+        <p:cNvPr id="1" name=""/>
+        <p:cNvGrpSpPr/>
+        <p:nvPr/>
+      </p:nvGrpSpPr>
+      <p:grpSpPr>
+        <a:xfrm>
+          <a:off x="0" y="0"/>
+          <a:ext cx="0" cy="0"/>
+          <a:chOff x="0" y="0"/>
+          <a:chExt cx="0" cy="0"/>
+        </a:xfrm>
+      </p:grpSpPr>
+      <p:sp>
+        <p:nvSpPr>
+          <p:cNvPr id="2" name="Title 1">
+            <a:extLst>
+              <a:ext uri="{FF2B5EF4-FFF2-40B4-BE49-F238E27FC236}">
+                <a16:creationId xmlns:a16="http://schemas.microsoft.com/office/drawing/2014/main" id="{A733630E-B7D4-16A8-0AE2-5B855991BFBC}"/>
+              </a:ext>
+            </a:extLst>
+          </p:cNvPr>
+          <p:cNvSpPr>
+            <a:spLocks noGrp="1"/>
+          </p:cNvSpPr>
+          <p:nvPr>
+            <p:ph type="title"/>
+          </p:nvPr>
+        </p:nvSpPr>
+        <p:spPr/>
+        <p:txBody>
+          <a:bodyPr/>
+          <a:lstStyle/>
+          <a:p>
+            <a:r>
+              <a:rPr lang="en-US" dirty="0"/>
+              <a:t>Statistical Analysis</a:t>
+            </a:r>
+            <a:endParaRPr lang="en-SG" dirty="0"/>
+          </a:p>
+        </p:txBody>
+      </p:sp>
+      <p:sp>
+        <p:nvSpPr>
+          <p:cNvPr id="3" name="TextBox 2">
+            <a:extLst>
+              <a:ext uri="{FF2B5EF4-FFF2-40B4-BE49-F238E27FC236}">
+                <a16:creationId xmlns:a16="http://schemas.microsoft.com/office/drawing/2014/main" id="{299D3CB6-19A3-E310-9C1C-FD461949D230}"/>
+              </a:ext>
+            </a:extLst>
+          </p:cNvPr>
+          <p:cNvSpPr txBox="1"/>
+          <p:nvPr/>
+        </p:nvSpPr>
+        <p:spPr>
+          <a:xfrm>
+            <a:off x="2826516" y="1864059"/>
+            <a:ext cx="6538967" cy="461665"/>
+          </a:xfrm>
+          <a:prstGeom prst="rect">
+            <a:avLst/>
+          </a:prstGeom>
+          <a:noFill/>
+        </p:spPr>
+        <p:txBody>
+          <a:bodyPr wrap="square" rtlCol="0">
+            <a:spAutoFit/>
+          </a:bodyPr>
+          <a:lstStyle/>
+          <a:p>
+            <a:pPr algn="ctr"/>
+            <a:r>
+              <a:rPr lang="en-US" sz="2400" dirty="0"/>
+              <a:t>Sample Distribution of Solving Steps per Episode </a:t>
+            </a:r>
+            <a:endParaRPr lang="en-SG" sz="2400" dirty="0"/>
+          </a:p>
+        </p:txBody>
+      </p:sp>
+      <p:pic>
+        <p:nvPicPr>
+          <p:cNvPr id="18" name="Picture 17" descr="A screenshot of a computer&#10;&#10;Description automatically generated">
+            <a:extLst>
+              <a:ext uri="{FF2B5EF4-FFF2-40B4-BE49-F238E27FC236}">
+                <a16:creationId xmlns:a16="http://schemas.microsoft.com/office/drawing/2014/main" id="{DFC66ABC-3872-3165-B2BC-836FF2332FDB}"/>
+              </a:ext>
+            </a:extLst>
+          </p:cNvPr>
+          <p:cNvPicPr>
+            <a:picLocks noChangeAspect="1"/>
+          </p:cNvPicPr>
+          <p:nvPr/>
+        </p:nvPicPr>
+        <p:blipFill>
+          <a:blip r:embed="rId3">
+            <a:extLst>
+              <a:ext uri="{28A0092B-C50C-407E-A947-70E740481C1C}">
+                <a14:useLocalDpi xmlns:a14="http://schemas.microsoft.com/office/drawing/2010/main" val="0"/>
+              </a:ext>
+            </a:extLst>
+          </a:blip>
+          <a:stretch>
+            <a:fillRect/>
+          </a:stretch>
+        </p:blipFill>
+        <p:spPr>
+          <a:xfrm>
+            <a:off x="5462993" y="3903121"/>
+            <a:ext cx="6615278" cy="1018922"/>
+          </a:xfrm>
+          <a:prstGeom prst="rect">
+            <a:avLst/>
+          </a:prstGeom>
+        </p:spPr>
+      </p:pic>
+      <p:pic>
+        <p:nvPicPr>
+          <p:cNvPr id="20" name="Picture 19" descr="A graph of steps required to solve maze&#10;&#10;Description automatically generated">
+            <a:extLst>
+              <a:ext uri="{FF2B5EF4-FFF2-40B4-BE49-F238E27FC236}">
+                <a16:creationId xmlns:a16="http://schemas.microsoft.com/office/drawing/2014/main" id="{9CFF0D45-1569-437D-D56C-144AEA117A1C}"/>
+              </a:ext>
+            </a:extLst>
+          </p:cNvPr>
+          <p:cNvPicPr>
+            <a:picLocks noChangeAspect="1"/>
+          </p:cNvPicPr>
+          <p:nvPr/>
+        </p:nvPicPr>
+        <p:blipFill>
+          <a:blip r:embed="rId4">
+            <a:extLst>
+              <a:ext uri="{28A0092B-C50C-407E-A947-70E740481C1C}">
+                <a14:useLocalDpi xmlns:a14="http://schemas.microsoft.com/office/drawing/2010/main" val="0"/>
+              </a:ext>
+            </a:extLst>
+          </a:blip>
+          <a:stretch>
+            <a:fillRect/>
+          </a:stretch>
+        </p:blipFill>
+        <p:spPr>
+          <a:xfrm>
+            <a:off x="271644" y="2630458"/>
+            <a:ext cx="5109744" cy="3991798"/>
           </a:xfrm>
           <a:prstGeom prst="rect">
             <a:avLst/>
@@ -4820,6 +5523,287 @@
     <p:extLst>
       <p:ext uri="{BB962C8B-B14F-4D97-AF65-F5344CB8AC3E}">
         <p14:creationId xmlns:p14="http://schemas.microsoft.com/office/powerpoint/2010/main" val="4010826062"/>
+      </p:ext>
+    </p:extLst>
+  </p:cSld>
+  <p:clrMapOvr>
+    <a:masterClrMapping/>
+  </p:clrMapOvr>
+</p:sld>
+</file>
+
+<file path=ppt/slides/slide9.xml><?xml version="1.0" encoding="utf-8"?>
+<p:sld xmlns:a="http://schemas.openxmlformats.org/drawingml/2006/main" xmlns:r="http://schemas.openxmlformats.org/officeDocument/2006/relationships" xmlns:p="http://schemas.openxmlformats.org/presentationml/2006/main">
+  <p:cSld>
+    <p:spTree>
+      <p:nvGrpSpPr>
+        <p:cNvPr id="1" name=""/>
+        <p:cNvGrpSpPr/>
+        <p:nvPr/>
+      </p:nvGrpSpPr>
+      <p:grpSpPr>
+        <a:xfrm>
+          <a:off x="0" y="0"/>
+          <a:ext cx="0" cy="0"/>
+          <a:chOff x="0" y="0"/>
+          <a:chExt cx="0" cy="0"/>
+        </a:xfrm>
+      </p:grpSpPr>
+      <p:sp>
+        <p:nvSpPr>
+          <p:cNvPr id="2" name="Title 1">
+            <a:extLst>
+              <a:ext uri="{FF2B5EF4-FFF2-40B4-BE49-F238E27FC236}">
+                <a16:creationId xmlns:a16="http://schemas.microsoft.com/office/drawing/2014/main" id="{A733630E-B7D4-16A8-0AE2-5B855991BFBC}"/>
+              </a:ext>
+            </a:extLst>
+          </p:cNvPr>
+          <p:cNvSpPr>
+            <a:spLocks noGrp="1"/>
+          </p:cNvSpPr>
+          <p:nvPr>
+            <p:ph type="title"/>
+          </p:nvPr>
+        </p:nvSpPr>
+        <p:spPr/>
+        <p:txBody>
+          <a:bodyPr/>
+          <a:lstStyle/>
+          <a:p>
+            <a:r>
+              <a:rPr lang="en-US" dirty="0"/>
+              <a:t>Statistical Analysis</a:t>
+            </a:r>
+            <a:endParaRPr lang="en-SG" dirty="0"/>
+          </a:p>
+        </p:txBody>
+      </p:sp>
+      <p:sp>
+        <p:nvSpPr>
+          <p:cNvPr id="3" name="TextBox 2">
+            <a:extLst>
+              <a:ext uri="{FF2B5EF4-FFF2-40B4-BE49-F238E27FC236}">
+                <a16:creationId xmlns:a16="http://schemas.microsoft.com/office/drawing/2014/main" id="{299D3CB6-19A3-E310-9C1C-FD461949D230}"/>
+              </a:ext>
+            </a:extLst>
+          </p:cNvPr>
+          <p:cNvSpPr txBox="1"/>
+          <p:nvPr/>
+        </p:nvSpPr>
+        <p:spPr>
+          <a:xfrm>
+            <a:off x="2676498" y="1549154"/>
+            <a:ext cx="7296178" cy="461665"/>
+          </a:xfrm>
+          <a:prstGeom prst="rect">
+            <a:avLst/>
+          </a:prstGeom>
+          <a:noFill/>
+        </p:spPr>
+        <p:txBody>
+          <a:bodyPr wrap="square" rtlCol="0">
+            <a:spAutoFit/>
+          </a:bodyPr>
+          <a:lstStyle/>
+          <a:p>
+            <a:pPr algn="ctr"/>
+            <a:r>
+              <a:rPr lang="en-US" sz="2400" dirty="0"/>
+              <a:t>Distribution of Sample Mean of Solving Steps per Episode </a:t>
+            </a:r>
+            <a:endParaRPr lang="en-SG" sz="2400" dirty="0"/>
+          </a:p>
+        </p:txBody>
+      </p:sp>
+      <p:pic>
+        <p:nvPicPr>
+          <p:cNvPr id="5" name="Picture 4" descr="A screen shot of a graph&#10;&#10;Description automatically generated">
+            <a:extLst>
+              <a:ext uri="{FF2B5EF4-FFF2-40B4-BE49-F238E27FC236}">
+                <a16:creationId xmlns:a16="http://schemas.microsoft.com/office/drawing/2014/main" id="{E90ADDE4-0782-BBE9-A78D-7204DF1BB938}"/>
+              </a:ext>
+            </a:extLst>
+          </p:cNvPr>
+          <p:cNvPicPr>
+            <a:picLocks noChangeAspect="1"/>
+          </p:cNvPicPr>
+          <p:nvPr/>
+        </p:nvPicPr>
+        <p:blipFill>
+          <a:blip r:embed="rId3">
+            <a:extLst>
+              <a:ext uri="{28A0092B-C50C-407E-A947-70E740481C1C}">
+                <a14:useLocalDpi xmlns:a14="http://schemas.microsoft.com/office/drawing/2010/main" val="0"/>
+              </a:ext>
+            </a:extLst>
+          </a:blip>
+          <a:stretch>
+            <a:fillRect/>
+          </a:stretch>
+        </p:blipFill>
+        <p:spPr>
+          <a:xfrm>
+            <a:off x="5720668" y="2440305"/>
+            <a:ext cx="6195797" cy="3047211"/>
+          </a:xfrm>
+          <a:prstGeom prst="rect">
+            <a:avLst/>
+          </a:prstGeom>
+        </p:spPr>
+      </p:pic>
+      <p:pic>
+        <p:nvPicPr>
+          <p:cNvPr id="7" name="Picture 6" descr="A blue graph with numbers&#10;&#10;Description automatically generated">
+            <a:extLst>
+              <a:ext uri="{FF2B5EF4-FFF2-40B4-BE49-F238E27FC236}">
+                <a16:creationId xmlns:a16="http://schemas.microsoft.com/office/drawing/2014/main" id="{9EB8D96C-1BAA-8EE8-D200-575B27930467}"/>
+              </a:ext>
+            </a:extLst>
+          </p:cNvPr>
+          <p:cNvPicPr>
+            <a:picLocks noChangeAspect="1"/>
+          </p:cNvPicPr>
+          <p:nvPr/>
+        </p:nvPicPr>
+        <p:blipFill>
+          <a:blip r:embed="rId4">
+            <a:extLst>
+              <a:ext uri="{28A0092B-C50C-407E-A947-70E740481C1C}">
+                <a14:useLocalDpi xmlns:a14="http://schemas.microsoft.com/office/drawing/2010/main" val="0"/>
+              </a:ext>
+            </a:extLst>
+          </a:blip>
+          <a:stretch>
+            <a:fillRect/>
+          </a:stretch>
+        </p:blipFill>
+        <p:spPr>
+          <a:xfrm>
+            <a:off x="275535" y="2010819"/>
+            <a:ext cx="5173053" cy="4087883"/>
+          </a:xfrm>
+          <a:prstGeom prst="rect">
+            <a:avLst/>
+          </a:prstGeom>
+        </p:spPr>
+      </p:pic>
+      <p:sp>
+        <p:nvSpPr>
+          <p:cNvPr id="8" name="TextBox 7">
+            <a:extLst>
+              <a:ext uri="{FF2B5EF4-FFF2-40B4-BE49-F238E27FC236}">
+                <a16:creationId xmlns:a16="http://schemas.microsoft.com/office/drawing/2014/main" id="{4ED88E2A-F494-85B5-6436-86D0B337E686}"/>
+              </a:ext>
+            </a:extLst>
+          </p:cNvPr>
+          <p:cNvSpPr txBox="1"/>
+          <p:nvPr/>
+        </p:nvSpPr>
+        <p:spPr>
+          <a:xfrm>
+            <a:off x="5857875" y="5666112"/>
+            <a:ext cx="6058590" cy="646331"/>
+          </a:xfrm>
+          <a:prstGeom prst="rect">
+            <a:avLst/>
+          </a:prstGeom>
+          <a:noFill/>
+        </p:spPr>
+        <p:txBody>
+          <a:bodyPr wrap="square" rtlCol="0">
+            <a:spAutoFit/>
+          </a:bodyPr>
+          <a:lstStyle/>
+          <a:p>
+            <a:r>
+              <a:rPr lang="en-SG" dirty="0"/>
+              <a:t>We are 95% confident that the true mean steps required to solve a maze per episode lies around 38 steps.</a:t>
+            </a:r>
+          </a:p>
+        </p:txBody>
+      </p:sp>
+      <p:sp>
+        <p:nvSpPr>
+          <p:cNvPr id="9" name="TextBox 8">
+            <a:extLst>
+              <a:ext uri="{FF2B5EF4-FFF2-40B4-BE49-F238E27FC236}">
+                <a16:creationId xmlns:a16="http://schemas.microsoft.com/office/drawing/2014/main" id="{BB8DCE23-EC56-84F6-3865-F2CE41988D08}"/>
+              </a:ext>
+            </a:extLst>
+          </p:cNvPr>
+          <p:cNvSpPr txBox="1"/>
+          <p:nvPr/>
+        </p:nvSpPr>
+        <p:spPr>
+          <a:xfrm>
+            <a:off x="109537" y="6095667"/>
+            <a:ext cx="5405438" cy="646331"/>
+          </a:xfrm>
+          <a:prstGeom prst="rect">
+            <a:avLst/>
+          </a:prstGeom>
+          <a:noFill/>
+        </p:spPr>
+        <p:txBody>
+          <a:bodyPr wrap="square" rtlCol="0">
+            <a:spAutoFit/>
+          </a:bodyPr>
+          <a:lstStyle/>
+          <a:p>
+            <a:r>
+              <a:rPr lang="en-SG" dirty="0"/>
+              <a:t>Random variables are </a:t>
+            </a:r>
+            <a:r>
+              <a:rPr lang="en-US" altLang="zh-CN" dirty="0"/>
+              <a:t>IID</a:t>
+            </a:r>
+            <a:r>
+              <a:rPr lang="en-SG" dirty="0"/>
+              <a:t>, therefore their sample means approximately form a normal distribution</a:t>
+            </a:r>
+          </a:p>
+        </p:txBody>
+      </p:sp>
+      <p:sp>
+        <p:nvSpPr>
+          <p:cNvPr id="10" name="TextBox 9">
+            <a:extLst>
+              <a:ext uri="{FF2B5EF4-FFF2-40B4-BE49-F238E27FC236}">
+                <a16:creationId xmlns:a16="http://schemas.microsoft.com/office/drawing/2014/main" id="{B785413E-9752-42D4-17D0-1F511D32DD34}"/>
+              </a:ext>
+            </a:extLst>
+          </p:cNvPr>
+          <p:cNvSpPr txBox="1"/>
+          <p:nvPr/>
+        </p:nvSpPr>
+        <p:spPr>
+          <a:xfrm>
+            <a:off x="1285875" y="5865065"/>
+            <a:ext cx="592931" cy="276999"/>
+          </a:xfrm>
+          <a:prstGeom prst="rect">
+            <a:avLst/>
+          </a:prstGeom>
+          <a:noFill/>
+        </p:spPr>
+        <p:txBody>
+          <a:bodyPr wrap="square" rtlCol="0">
+            <a:spAutoFit/>
+          </a:bodyPr>
+          <a:lstStyle/>
+          <a:p>
+            <a:r>
+              <a:rPr lang="en-SG" sz="1200" dirty="0"/>
+              <a:t>Mean</a:t>
+            </a:r>
+          </a:p>
+        </p:txBody>
+      </p:sp>
+    </p:spTree>
+    <p:extLst>
+      <p:ext uri="{BB962C8B-B14F-4D97-AF65-F5344CB8AC3E}">
+        <p14:creationId xmlns:p14="http://schemas.microsoft.com/office/powerpoint/2010/main" val="858162595"/>
       </p:ext>
     </p:extLst>
   </p:cSld>
@@ -5122,4 +6106,299 @@
     </a:ext>
   </a:extLst>
 </a:theme>
+</file>
+
+<file path=ppt/theme/theme2.xml><?xml version="1.0" encoding="utf-8"?>
+<a:theme xmlns:a="http://schemas.openxmlformats.org/drawingml/2006/main" name="Office Theme">
+  <a:themeElements>
+    <a:clrScheme name="Office">
+      <a:dk1>
+        <a:sysClr val="windowText" lastClr="000000"/>
+      </a:dk1>
+      <a:lt1>
+        <a:sysClr val="window" lastClr="FFFFFF"/>
+      </a:lt1>
+      <a:dk2>
+        <a:srgbClr val="44546A"/>
+      </a:dk2>
+      <a:lt2>
+        <a:srgbClr val="E7E6E6"/>
+      </a:lt2>
+      <a:accent1>
+        <a:srgbClr val="4472C4"/>
+      </a:accent1>
+      <a:accent2>
+        <a:srgbClr val="ED7D31"/>
+      </a:accent2>
+      <a:accent3>
+        <a:srgbClr val="A5A5A5"/>
+      </a:accent3>
+      <a:accent4>
+        <a:srgbClr val="FFC000"/>
+      </a:accent4>
+      <a:accent5>
+        <a:srgbClr val="5B9BD5"/>
+      </a:accent5>
+      <a:accent6>
+        <a:srgbClr val="70AD47"/>
+      </a:accent6>
+      <a:hlink>
+        <a:srgbClr val="0563C1"/>
+      </a:hlink>
+      <a:folHlink>
+        <a:srgbClr val="954F72"/>
+      </a:folHlink>
+    </a:clrScheme>
+    <a:fontScheme name="Office">
+      <a:majorFont>
+        <a:latin typeface="Calibri Light" panose="020F0302020204030204"/>
+        <a:ea typeface=""/>
+        <a:cs typeface=""/>
+        <a:font script="Jpan" typeface="游ゴシック Light"/>
+        <a:font script="Hang" typeface="맑은 고딕"/>
+        <a:font script="Hans" typeface="等线 Light"/>
+        <a:font script="Hant" typeface="新細明體"/>
+        <a:font script="Arab" typeface="Times New Roman"/>
+        <a:font script="Hebr" typeface="Times New Roman"/>
+        <a:font script="Thai" typeface="Angsana New"/>
+        <a:font script="Ethi" typeface="Nyala"/>
+        <a:font script="Beng" typeface="Vrinda"/>
+        <a:font script="Gujr" typeface="Shruti"/>
+        <a:font script="Khmr" typeface="MoolBoran"/>
+        <a:font script="Knda" typeface="Tunga"/>
+        <a:font script="Guru" typeface="Raavi"/>
+        <a:font script="Cans" typeface="Euphemia"/>
+        <a:font script="Cher" typeface="Plantagenet Cherokee"/>
+        <a:font script="Yiii" typeface="Microsoft Yi Baiti"/>
+        <a:font script="Tibt" typeface="Microsoft Himalaya"/>
+        <a:font script="Thaa" typeface="MV Boli"/>
+        <a:font script="Deva" typeface="Mangal"/>
+        <a:font script="Telu" typeface="Gautami"/>
+        <a:font script="Taml" typeface="Latha"/>
+        <a:font script="Syrc" typeface="Estrangelo Edessa"/>
+        <a:font script="Orya" typeface="Kalinga"/>
+        <a:font script="Mlym" typeface="Kartika"/>
+        <a:font script="Laoo" typeface="DokChampa"/>
+        <a:font script="Sinh" typeface="Iskoola Pota"/>
+        <a:font script="Mong" typeface="Mongolian Baiti"/>
+        <a:font script="Viet" typeface="Times New Roman"/>
+        <a:font script="Uigh" typeface="Microsoft Uighur"/>
+        <a:font script="Geor" typeface="Sylfaen"/>
+        <a:font script="Armn" typeface="Arial"/>
+        <a:font script="Bugi" typeface="Leelawadee UI"/>
+        <a:font script="Bopo" typeface="Microsoft JhengHei"/>
+        <a:font script="Java" typeface="Javanese Text"/>
+        <a:font script="Lisu" typeface="Segoe UI"/>
+        <a:font script="Mymr" typeface="Myanmar Text"/>
+        <a:font script="Nkoo" typeface="Ebrima"/>
+        <a:font script="Olck" typeface="Nirmala UI"/>
+        <a:font script="Osma" typeface="Ebrima"/>
+        <a:font script="Phag" typeface="Phagspa"/>
+        <a:font script="Syrn" typeface="Estrangelo Edessa"/>
+        <a:font script="Syrj" typeface="Estrangelo Edessa"/>
+        <a:font script="Syre" typeface="Estrangelo Edessa"/>
+        <a:font script="Sora" typeface="Nirmala UI"/>
+        <a:font script="Tale" typeface="Microsoft Tai Le"/>
+        <a:font script="Talu" typeface="Microsoft New Tai Lue"/>
+        <a:font script="Tfng" typeface="Ebrima"/>
+      </a:majorFont>
+      <a:minorFont>
+        <a:latin typeface="Calibri" panose="020F0502020204030204"/>
+        <a:ea typeface=""/>
+        <a:cs typeface=""/>
+        <a:font script="Jpan" typeface="游ゴシック"/>
+        <a:font script="Hang" typeface="맑은 고딕"/>
+        <a:font script="Hans" typeface="等线"/>
+        <a:font script="Hant" typeface="新細明體"/>
+        <a:font script="Arab" typeface="Arial"/>
+        <a:font script="Hebr" typeface="Arial"/>
+        <a:font script="Thai" typeface="Cordia New"/>
+        <a:font script="Ethi" typeface="Nyala"/>
+        <a:font script="Beng" typeface="Vrinda"/>
+        <a:font script="Gujr" typeface="Shruti"/>
+        <a:font script="Khmr" typeface="DaunPenh"/>
+        <a:font script="Knda" typeface="Tunga"/>
+        <a:font script="Guru" typeface="Raavi"/>
+        <a:font script="Cans" typeface="Euphemia"/>
+        <a:font script="Cher" typeface="Plantagenet Cherokee"/>
+        <a:font script="Yiii" typeface="Microsoft Yi Baiti"/>
+        <a:font script="Tibt" typeface="Microsoft Himalaya"/>
+        <a:font script="Thaa" typeface="MV Boli"/>
+        <a:font script="Deva" typeface="Mangal"/>
+        <a:font script="Telu" typeface="Gautami"/>
+        <a:font script="Taml" typeface="Latha"/>
+        <a:font script="Syrc" typeface="Estrangelo Edessa"/>
+        <a:font script="Orya" typeface="Kalinga"/>
+        <a:font script="Mlym" typeface="Kartika"/>
+        <a:font script="Laoo" typeface="DokChampa"/>
+        <a:font script="Sinh" typeface="Iskoola Pota"/>
+        <a:font script="Mong" typeface="Mongolian Baiti"/>
+        <a:font script="Viet" typeface="Arial"/>
+        <a:font script="Uigh" typeface="Microsoft Uighur"/>
+        <a:font script="Geor" typeface="Sylfaen"/>
+        <a:font script="Armn" typeface="Arial"/>
+        <a:font script="Bugi" typeface="Leelawadee UI"/>
+        <a:font script="Bopo" typeface="Microsoft JhengHei"/>
+        <a:font script="Java" typeface="Javanese Text"/>
+        <a:font script="Lisu" typeface="Segoe UI"/>
+        <a:font script="Mymr" typeface="Myanmar Text"/>
+        <a:font script="Nkoo" typeface="Ebrima"/>
+        <a:font script="Olck" typeface="Nirmala UI"/>
+        <a:font script="Osma" typeface="Ebrima"/>
+        <a:font script="Phag" typeface="Phagspa"/>
+        <a:font script="Syrn" typeface="Estrangelo Edessa"/>
+        <a:font script="Syrj" typeface="Estrangelo Edessa"/>
+        <a:font script="Syre" typeface="Estrangelo Edessa"/>
+        <a:font script="Sora" typeface="Nirmala UI"/>
+        <a:font script="Tale" typeface="Microsoft Tai Le"/>
+        <a:font script="Talu" typeface="Microsoft New Tai Lue"/>
+        <a:font script="Tfng" typeface="Ebrima"/>
+      </a:minorFont>
+    </a:fontScheme>
+    <a:fmtScheme name="Office">
+      <a:fillStyleLst>
+        <a:solidFill>
+          <a:schemeClr val="phClr"/>
+        </a:solidFill>
+        <a:gradFill rotWithShape="1">
+          <a:gsLst>
+            <a:gs pos="0">
+              <a:schemeClr val="phClr">
+                <a:lumMod val="110000"/>
+                <a:satMod val="105000"/>
+                <a:tint val="67000"/>
+              </a:schemeClr>
+            </a:gs>
+            <a:gs pos="50000">
+              <a:schemeClr val="phClr">
+                <a:lumMod val="105000"/>
+                <a:satMod val="103000"/>
+                <a:tint val="73000"/>
+              </a:schemeClr>
+            </a:gs>
+            <a:gs pos="100000">
+              <a:schemeClr val="phClr">
+                <a:lumMod val="105000"/>
+                <a:satMod val="109000"/>
+                <a:tint val="81000"/>
+              </a:schemeClr>
+            </a:gs>
+          </a:gsLst>
+          <a:lin ang="5400000" scaled="0"/>
+        </a:gradFill>
+        <a:gradFill rotWithShape="1">
+          <a:gsLst>
+            <a:gs pos="0">
+              <a:schemeClr val="phClr">
+                <a:satMod val="103000"/>
+                <a:lumMod val="102000"/>
+                <a:tint val="94000"/>
+              </a:schemeClr>
+            </a:gs>
+            <a:gs pos="50000">
+              <a:schemeClr val="phClr">
+                <a:satMod val="110000"/>
+                <a:lumMod val="100000"/>
+                <a:shade val="100000"/>
+              </a:schemeClr>
+            </a:gs>
+            <a:gs pos="100000">
+              <a:schemeClr val="phClr">
+                <a:lumMod val="99000"/>
+                <a:satMod val="120000"/>
+                <a:shade val="78000"/>
+              </a:schemeClr>
+            </a:gs>
+          </a:gsLst>
+          <a:lin ang="5400000" scaled="0"/>
+        </a:gradFill>
+      </a:fillStyleLst>
+      <a:lnStyleLst>
+        <a:ln w="6350" cap="flat" cmpd="sng" algn="ctr">
+          <a:solidFill>
+            <a:schemeClr val="phClr"/>
+          </a:solidFill>
+          <a:prstDash val="solid"/>
+          <a:miter lim="800000"/>
+        </a:ln>
+        <a:ln w="12700" cap="flat" cmpd="sng" algn="ctr">
+          <a:solidFill>
+            <a:schemeClr val="phClr"/>
+          </a:solidFill>
+          <a:prstDash val="solid"/>
+          <a:miter lim="800000"/>
+        </a:ln>
+        <a:ln w="19050" cap="flat" cmpd="sng" algn="ctr">
+          <a:solidFill>
+            <a:schemeClr val="phClr"/>
+          </a:solidFill>
+          <a:prstDash val="solid"/>
+          <a:miter lim="800000"/>
+        </a:ln>
+      </a:lnStyleLst>
+      <a:effectStyleLst>
+        <a:effectStyle>
+          <a:effectLst/>
+        </a:effectStyle>
+        <a:effectStyle>
+          <a:effectLst/>
+        </a:effectStyle>
+        <a:effectStyle>
+          <a:effectLst>
+            <a:outerShdw blurRad="57150" dist="19050" dir="5400000" algn="ctr" rotWithShape="0">
+              <a:srgbClr val="000000">
+                <a:alpha val="63000"/>
+              </a:srgbClr>
+            </a:outerShdw>
+          </a:effectLst>
+        </a:effectStyle>
+      </a:effectStyleLst>
+      <a:bgFillStyleLst>
+        <a:solidFill>
+          <a:schemeClr val="phClr"/>
+        </a:solidFill>
+        <a:solidFill>
+          <a:schemeClr val="phClr">
+            <a:tint val="95000"/>
+            <a:satMod val="170000"/>
+          </a:schemeClr>
+        </a:solidFill>
+        <a:gradFill rotWithShape="1">
+          <a:gsLst>
+            <a:gs pos="0">
+              <a:schemeClr val="phClr">
+                <a:tint val="93000"/>
+                <a:satMod val="150000"/>
+                <a:shade val="98000"/>
+                <a:lumMod val="102000"/>
+              </a:schemeClr>
+            </a:gs>
+            <a:gs pos="50000">
+              <a:schemeClr val="phClr">
+                <a:tint val="98000"/>
+                <a:satMod val="130000"/>
+                <a:shade val="90000"/>
+                <a:lumMod val="103000"/>
+              </a:schemeClr>
+            </a:gs>
+            <a:gs pos="100000">
+              <a:schemeClr val="phClr">
+                <a:shade val="63000"/>
+                <a:satMod val="120000"/>
+              </a:schemeClr>
+            </a:gs>
+          </a:gsLst>
+          <a:lin ang="5400000" scaled="0"/>
+        </a:gradFill>
+      </a:bgFillStyleLst>
+    </a:fmtScheme>
+  </a:themeElements>
+  <a:objectDefaults/>
+  <a:extraClrSchemeLst/>
+  <a:extLst>
+    <a:ext uri="{05A4C25C-085E-4340-85A3-A5531E510DB2}">
+      <thm15:themeFamily xmlns:thm15="http://schemas.microsoft.com/office/thememl/2012/main" name="Office Theme" id="{62F939B6-93AF-4DB8-9C6B-D6C7DFDC589F}" vid="{4A3C46E8-61CC-4603-A589-7422A47A8E4A}"/>
+    </a:ext>
+  </a:extLst>
+</a:theme>
 </file>